--- a/template.pptx
+++ b/template.pptx
@@ -243,7 +243,7 @@
           <a:p>
             <a:fld id="{D2FDE252-FF3A-4A73-B583-2B6EF4627E94}" type="datetimeFigureOut">
               <a:rPr lang="en-DK" smtClean="0"/>
-              <a:t>22/11/2019</a:t>
+              <a:t>12/02/2019</a:t>
             </a:fld>
             <a:endParaRPr lang="en-DK"/>
           </a:p>
@@ -413,7 +413,7 @@
           <a:p>
             <a:fld id="{D2FDE252-FF3A-4A73-B583-2B6EF4627E94}" type="datetimeFigureOut">
               <a:rPr lang="en-DK" smtClean="0"/>
-              <a:t>22/11/2019</a:t>
+              <a:t>12/02/2019</a:t>
             </a:fld>
             <a:endParaRPr lang="en-DK"/>
           </a:p>
@@ -593,7 +593,7 @@
           <a:p>
             <a:fld id="{D2FDE252-FF3A-4A73-B583-2B6EF4627E94}" type="datetimeFigureOut">
               <a:rPr lang="en-DK" smtClean="0"/>
-              <a:t>22/11/2019</a:t>
+              <a:t>12/02/2019</a:t>
             </a:fld>
             <a:endParaRPr lang="en-DK"/>
           </a:p>
@@ -763,7 +763,7 @@
           <a:p>
             <a:fld id="{D2FDE252-FF3A-4A73-B583-2B6EF4627E94}" type="datetimeFigureOut">
               <a:rPr lang="en-DK" smtClean="0"/>
-              <a:t>22/11/2019</a:t>
+              <a:t>12/02/2019</a:t>
             </a:fld>
             <a:endParaRPr lang="en-DK"/>
           </a:p>
@@ -1009,7 +1009,7 @@
           <a:p>
             <a:fld id="{D2FDE252-FF3A-4A73-B583-2B6EF4627E94}" type="datetimeFigureOut">
               <a:rPr lang="en-DK" smtClean="0"/>
-              <a:t>22/11/2019</a:t>
+              <a:t>12/02/2019</a:t>
             </a:fld>
             <a:endParaRPr lang="en-DK"/>
           </a:p>
@@ -1241,7 +1241,7 @@
           <a:p>
             <a:fld id="{D2FDE252-FF3A-4A73-B583-2B6EF4627E94}" type="datetimeFigureOut">
               <a:rPr lang="en-DK" smtClean="0"/>
-              <a:t>22/11/2019</a:t>
+              <a:t>12/02/2019</a:t>
             </a:fld>
             <a:endParaRPr lang="en-DK"/>
           </a:p>
@@ -1608,7 +1608,7 @@
           <a:p>
             <a:fld id="{D2FDE252-FF3A-4A73-B583-2B6EF4627E94}" type="datetimeFigureOut">
               <a:rPr lang="en-DK" smtClean="0"/>
-              <a:t>22/11/2019</a:t>
+              <a:t>12/02/2019</a:t>
             </a:fld>
             <a:endParaRPr lang="en-DK"/>
           </a:p>
@@ -1726,7 +1726,7 @@
           <a:p>
             <a:fld id="{D2FDE252-FF3A-4A73-B583-2B6EF4627E94}" type="datetimeFigureOut">
               <a:rPr lang="en-DK" smtClean="0"/>
-              <a:t>22/11/2019</a:t>
+              <a:t>12/02/2019</a:t>
             </a:fld>
             <a:endParaRPr lang="en-DK"/>
           </a:p>
@@ -1821,7 +1821,7 @@
           <a:p>
             <a:fld id="{D2FDE252-FF3A-4A73-B583-2B6EF4627E94}" type="datetimeFigureOut">
               <a:rPr lang="en-DK" smtClean="0"/>
-              <a:t>22/11/2019</a:t>
+              <a:t>12/02/2019</a:t>
             </a:fld>
             <a:endParaRPr lang="en-DK"/>
           </a:p>
@@ -2098,7 +2098,7 @@
           <a:p>
             <a:fld id="{D2FDE252-FF3A-4A73-B583-2B6EF4627E94}" type="datetimeFigureOut">
               <a:rPr lang="en-DK" smtClean="0"/>
-              <a:t>22/11/2019</a:t>
+              <a:t>12/02/2019</a:t>
             </a:fld>
             <a:endParaRPr lang="en-DK"/>
           </a:p>
@@ -2355,7 +2355,7 @@
           <a:p>
             <a:fld id="{D2FDE252-FF3A-4A73-B583-2B6EF4627E94}" type="datetimeFigureOut">
               <a:rPr lang="en-DK" smtClean="0"/>
-              <a:t>22/11/2019</a:t>
+              <a:t>12/02/2019</a:t>
             </a:fld>
             <a:endParaRPr lang="en-DK"/>
           </a:p>
@@ -2568,7 +2568,7 @@
           <a:p>
             <a:fld id="{D2FDE252-FF3A-4A73-B583-2B6EF4627E94}" type="datetimeFigureOut">
               <a:rPr lang="en-DK" smtClean="0"/>
-              <a:t>22/11/2019</a:t>
+              <a:t>12/02/2019</a:t>
             </a:fld>
             <a:endParaRPr lang="en-DK"/>
           </a:p>
@@ -2985,8 +2985,8 @@
         </p:nvSpPr>
         <p:spPr>
           <a:xfrm>
-            <a:off x="0" y="0"/>
-            <a:ext cx="12192000" cy="6858000"/>
+            <a:off x="0" y="1100830"/>
+            <a:ext cx="12192000" cy="5757169"/>
           </a:xfrm>
         </p:spPr>
         <p:txBody>
@@ -2994,34 +2994,6 @@
             <a:normAutofit/>
           </a:bodyPr>
           <a:lstStyle/>
-          <a:p>
-            <a:pPr marL="0" indent="0">
-              <a:buNone/>
-            </a:pPr>
-            <a:r>
-              <a:rPr lang="da-DK" sz="4950" dirty="0">
-                <a:latin typeface="Times New Roman" panose="02020603050405020304" pitchFamily="18" charset="0"/>
-                <a:cs typeface="Times New Roman" panose="02020603050405020304" pitchFamily="18" charset="0"/>
-              </a:rPr>
-              <a:t>1/7             </a:t>
-            </a:r>
-            <a:r>
-              <a:rPr lang="da-DK" sz="4950" i="1" dirty="0">
-                <a:latin typeface="Times New Roman" panose="02020603050405020304" pitchFamily="18" charset="0"/>
-                <a:cs typeface="Times New Roman" panose="02020603050405020304" pitchFamily="18" charset="0"/>
-              </a:rPr>
-              <a:t>B.S. Ingemann 1837.</a:t>
-            </a:r>
-          </a:p>
-          <a:p>
-            <a:pPr marL="0" indent="0">
-              <a:buNone/>
-            </a:pPr>
-            <a:endParaRPr lang="da-DK" dirty="0">
-              <a:latin typeface="Times New Roman" panose="02020603050405020304" pitchFamily="18" charset="0"/>
-              <a:cs typeface="Times New Roman" panose="02020603050405020304" pitchFamily="18" charset="0"/>
-            </a:endParaRPr>
-          </a:p>
           <a:p>
             <a:pPr marL="0" indent="0">
               <a:buNone/>
@@ -3083,6 +3055,60 @@
               </a:rPr>
               <a:t>går over land og by.</a:t>
             </a:r>
+          </a:p>
+        </p:txBody>
+      </p:sp>
+      <p:sp>
+        <p:nvSpPr>
+          <p:cNvPr id="2" name="Tekstfelt 1">
+            <a:extLst>
+              <a:ext uri="{FF2B5EF4-FFF2-40B4-BE49-F238E27FC236}">
+                <a16:creationId xmlns:a16="http://schemas.microsoft.com/office/drawing/2014/main" id="{20A2F052-C996-4C1D-A2D7-491DD1ABEAA5}"/>
+              </a:ext>
+            </a:extLst>
+          </p:cNvPr>
+          <p:cNvSpPr txBox="1"/>
+          <p:nvPr/>
+        </p:nvSpPr>
+        <p:spPr>
+          <a:xfrm>
+            <a:off x="0" y="0"/>
+            <a:ext cx="12277817" cy="1384995"/>
+          </a:xfrm>
+          <a:prstGeom prst="rect">
+            <a:avLst/>
+          </a:prstGeom>
+          <a:noFill/>
+        </p:spPr>
+        <p:txBody>
+          <a:bodyPr wrap="square" rtlCol="0">
+            <a:spAutoFit/>
+          </a:bodyPr>
+          <a:lstStyle/>
+          <a:p>
+            <a:r>
+              <a:rPr lang="da-DK" sz="4800" dirty="0">
+                <a:latin typeface="Times New Roman" panose="02020603050405020304" pitchFamily="18" charset="0"/>
+                <a:cs typeface="Times New Roman" panose="02020603050405020304" pitchFamily="18" charset="0"/>
+              </a:rPr>
+              <a:t>1/7             </a:t>
+            </a:r>
+            <a:r>
+              <a:rPr lang="da-DK" sz="4800" i="1" dirty="0">
+                <a:latin typeface="Times New Roman" panose="02020603050405020304" pitchFamily="18" charset="0"/>
+                <a:cs typeface="Times New Roman" panose="02020603050405020304" pitchFamily="18" charset="0"/>
+              </a:rPr>
+              <a:t>B.S. Ingemann 1837.</a:t>
+            </a:r>
+          </a:p>
+          <a:p>
+            <a:endParaRPr lang="da-DK" dirty="0">
+              <a:latin typeface="Times New Roman" panose="02020603050405020304" pitchFamily="18" charset="0"/>
+              <a:cs typeface="Times New Roman" panose="02020603050405020304" pitchFamily="18" charset="0"/>
+            </a:endParaRPr>
+          </a:p>
+          <a:p>
+            <a:endParaRPr lang="en-US" dirty="0"/>
           </a:p>
         </p:txBody>
       </p:sp>

--- a/template.pptx
+++ b/template.pptx
@@ -5,7 +5,7 @@
     <p:sldMasterId id="2147483660" r:id="rId1"/>
   </p:sldMasterIdLst>
   <p:sldIdLst>
-    <p:sldId id="538" r:id="rId2"/>
+    <p:sldId id="539" r:id="rId2"/>
   </p:sldIdLst>
   <p:sldSz cx="12192000" cy="6858000"/>
   <p:notesSz cx="6858000" cy="9144000"/>
@@ -243,7 +243,7 @@
           <a:p>
             <a:fld id="{D2FDE252-FF3A-4A73-B583-2B6EF4627E94}" type="datetimeFigureOut">
               <a:rPr lang="en-DK" smtClean="0"/>
-              <a:t>12/02/2019</a:t>
+              <a:t>11/12/2019</a:t>
             </a:fld>
             <a:endParaRPr lang="en-DK"/>
           </a:p>
@@ -413,7 +413,7 @@
           <a:p>
             <a:fld id="{D2FDE252-FF3A-4A73-B583-2B6EF4627E94}" type="datetimeFigureOut">
               <a:rPr lang="en-DK" smtClean="0"/>
-              <a:t>12/02/2019</a:t>
+              <a:t>11/12/2019</a:t>
             </a:fld>
             <a:endParaRPr lang="en-DK"/>
           </a:p>
@@ -593,7 +593,7 @@
           <a:p>
             <a:fld id="{D2FDE252-FF3A-4A73-B583-2B6EF4627E94}" type="datetimeFigureOut">
               <a:rPr lang="en-DK" smtClean="0"/>
-              <a:t>12/02/2019</a:t>
+              <a:t>11/12/2019</a:t>
             </a:fld>
             <a:endParaRPr lang="en-DK"/>
           </a:p>
@@ -763,7 +763,7 @@
           <a:p>
             <a:fld id="{D2FDE252-FF3A-4A73-B583-2B6EF4627E94}" type="datetimeFigureOut">
               <a:rPr lang="en-DK" smtClean="0"/>
-              <a:t>12/02/2019</a:t>
+              <a:t>11/12/2019</a:t>
             </a:fld>
             <a:endParaRPr lang="en-DK"/>
           </a:p>
@@ -1009,7 +1009,7 @@
           <a:p>
             <a:fld id="{D2FDE252-FF3A-4A73-B583-2B6EF4627E94}" type="datetimeFigureOut">
               <a:rPr lang="en-DK" smtClean="0"/>
-              <a:t>12/02/2019</a:t>
+              <a:t>11/12/2019</a:t>
             </a:fld>
             <a:endParaRPr lang="en-DK"/>
           </a:p>
@@ -1241,7 +1241,7 @@
           <a:p>
             <a:fld id="{D2FDE252-FF3A-4A73-B583-2B6EF4627E94}" type="datetimeFigureOut">
               <a:rPr lang="en-DK" smtClean="0"/>
-              <a:t>12/02/2019</a:t>
+              <a:t>11/12/2019</a:t>
             </a:fld>
             <a:endParaRPr lang="en-DK"/>
           </a:p>
@@ -1608,7 +1608,7 @@
           <a:p>
             <a:fld id="{D2FDE252-FF3A-4A73-B583-2B6EF4627E94}" type="datetimeFigureOut">
               <a:rPr lang="en-DK" smtClean="0"/>
-              <a:t>12/02/2019</a:t>
+              <a:t>11/12/2019</a:t>
             </a:fld>
             <a:endParaRPr lang="en-DK"/>
           </a:p>
@@ -1726,7 +1726,7 @@
           <a:p>
             <a:fld id="{D2FDE252-FF3A-4A73-B583-2B6EF4627E94}" type="datetimeFigureOut">
               <a:rPr lang="en-DK" smtClean="0"/>
-              <a:t>12/02/2019</a:t>
+              <a:t>11/12/2019</a:t>
             </a:fld>
             <a:endParaRPr lang="en-DK"/>
           </a:p>
@@ -1821,7 +1821,7 @@
           <a:p>
             <a:fld id="{D2FDE252-FF3A-4A73-B583-2B6EF4627E94}" type="datetimeFigureOut">
               <a:rPr lang="en-DK" smtClean="0"/>
-              <a:t>12/02/2019</a:t>
+              <a:t>11/12/2019</a:t>
             </a:fld>
             <a:endParaRPr lang="en-DK"/>
           </a:p>
@@ -2098,7 +2098,7 @@
           <a:p>
             <a:fld id="{D2FDE252-FF3A-4A73-B583-2B6EF4627E94}" type="datetimeFigureOut">
               <a:rPr lang="en-DK" smtClean="0"/>
-              <a:t>12/02/2019</a:t>
+              <a:t>11/12/2019</a:t>
             </a:fld>
             <a:endParaRPr lang="en-DK"/>
           </a:p>
@@ -2355,7 +2355,7 @@
           <a:p>
             <a:fld id="{D2FDE252-FF3A-4A73-B583-2B6EF4627E94}" type="datetimeFigureOut">
               <a:rPr lang="en-DK" smtClean="0"/>
-              <a:t>12/02/2019</a:t>
+              <a:t>11/12/2019</a:t>
             </a:fld>
             <a:endParaRPr lang="en-DK"/>
           </a:p>
@@ -2568,7 +2568,7 @@
           <a:p>
             <a:fld id="{D2FDE252-FF3A-4A73-B583-2B6EF4627E94}" type="datetimeFigureOut">
               <a:rPr lang="en-DK" smtClean="0"/>
-              <a:t>12/02/2019</a:t>
+              <a:t>11/12/2019</a:t>
             </a:fld>
             <a:endParaRPr lang="en-DK"/>
           </a:p>
@@ -2975,31 +2975,38 @@
       </p:grpSpPr>
       <p:sp>
         <p:nvSpPr>
-          <p:cNvPr id="3" name="Content Placeholder 2"/>
-          <p:cNvSpPr>
-            <a:spLocks noGrp="1"/>
-          </p:cNvSpPr>
-          <p:nvPr>
-            <p:ph idx="1"/>
+          <p:cNvPr id="3" name="Pladsholder til indhold 2">
+            <a:extLst>
+              <a:ext uri="{FF2B5EF4-FFF2-40B4-BE49-F238E27FC236}">
+                <a16:creationId xmlns:a16="http://schemas.microsoft.com/office/drawing/2014/main" id="{DD8DA53B-6F09-46A0-8670-F938494D5F38}"/>
+              </a:ext>
+            </a:extLst>
+          </p:cNvPr>
+          <p:cNvSpPr>
+            <a:spLocks noGrp="1"/>
+          </p:cNvSpPr>
+          <p:nvPr>
+            <p:ph sz="half" idx="1"/>
           </p:nvPr>
         </p:nvSpPr>
         <p:spPr>
           <a:xfrm>
-            <a:off x="0" y="1100830"/>
-            <a:ext cx="12192000" cy="5757169"/>
+            <a:off x="0" y="990600"/>
+            <a:ext cx="12192000" cy="5845175"/>
           </a:xfrm>
         </p:spPr>
         <p:txBody>
-          <a:bodyPr>
-            <a:normAutofit/>
-          </a:bodyPr>
-          <a:lstStyle/>
-          <a:p>
-            <a:pPr marL="0" indent="0">
+          <a:bodyPr/>
+          <a:lstStyle/>
+          <a:p>
+            <a:pPr marL="0" lvl="0" indent="0">
               <a:buNone/>
             </a:pPr>
             <a:r>
               <a:rPr lang="da-DK" sz="6000" dirty="0">
+                <a:solidFill>
+                  <a:prstClr val="white"/>
+                </a:solidFill>
                 <a:latin typeface="Times New Roman" panose="02020603050405020304" pitchFamily="18" charset="0"/>
                 <a:cs typeface="Times New Roman" panose="02020603050405020304" pitchFamily="18" charset="0"/>
               </a:rPr>
@@ -3007,11 +3014,14 @@
             </a:r>
           </a:p>
           <a:p>
-            <a:pPr marL="0" indent="0">
+            <a:pPr marL="0" lvl="0" indent="0">
               <a:buNone/>
             </a:pPr>
             <a:r>
               <a:rPr lang="da-DK" sz="6000" dirty="0">
+                <a:solidFill>
+                  <a:prstClr val="white"/>
+                </a:solidFill>
                 <a:latin typeface="Times New Roman" panose="02020603050405020304" pitchFamily="18" charset="0"/>
                 <a:cs typeface="Times New Roman" panose="02020603050405020304" pitchFamily="18" charset="0"/>
               </a:rPr>
@@ -3019,11 +3029,14 @@
             </a:r>
           </a:p>
           <a:p>
-            <a:pPr marL="0" indent="0">
+            <a:pPr marL="0" lvl="0" indent="0">
               <a:buNone/>
             </a:pPr>
             <a:r>
               <a:rPr lang="da-DK" sz="6000" dirty="0">
+                <a:solidFill>
+                  <a:prstClr val="white"/>
+                </a:solidFill>
                 <a:latin typeface="Times New Roman" panose="02020603050405020304" pitchFamily="18" charset="0"/>
                 <a:cs typeface="Times New Roman" panose="02020603050405020304" pitchFamily="18" charset="0"/>
               </a:rPr>
@@ -3031,6 +3044,9 @@
             </a:r>
             <a:r>
               <a:rPr lang="da-DK" sz="6000" dirty="0" err="1">
+                <a:solidFill>
+                  <a:prstClr val="white"/>
+                </a:solidFill>
                 <a:latin typeface="Times New Roman" panose="02020603050405020304" pitchFamily="18" charset="0"/>
                 <a:cs typeface="Times New Roman" panose="02020603050405020304" pitchFamily="18" charset="0"/>
               </a:rPr>
@@ -3038,6 +3054,9 @@
             </a:r>
             <a:r>
               <a:rPr lang="da-DK" sz="6000" dirty="0">
+                <a:solidFill>
+                  <a:prstClr val="white"/>
+                </a:solidFill>
                 <a:latin typeface="Times New Roman" panose="02020603050405020304" pitchFamily="18" charset="0"/>
                 <a:cs typeface="Times New Roman" panose="02020603050405020304" pitchFamily="18" charset="0"/>
               </a:rPr>
@@ -3045,49 +3064,65 @@
             </a:r>
           </a:p>
           <a:p>
-            <a:pPr marL="0" indent="0">
+            <a:pPr marL="0" lvl="0" indent="0">
               <a:buNone/>
             </a:pPr>
             <a:r>
               <a:rPr lang="da-DK" sz="6000" dirty="0">
+                <a:solidFill>
+                  <a:prstClr val="white"/>
+                </a:solidFill>
                 <a:latin typeface="Times New Roman" panose="02020603050405020304" pitchFamily="18" charset="0"/>
                 <a:cs typeface="Times New Roman" panose="02020603050405020304" pitchFamily="18" charset="0"/>
               </a:rPr>
               <a:t>går over land og by.</a:t>
             </a:r>
           </a:p>
-        </p:txBody>
-      </p:sp>
-      <p:sp>
-        <p:nvSpPr>
-          <p:cNvPr id="2" name="Tekstfelt 1">
+          <a:p>
+            <a:endParaRPr lang="en-DK" dirty="0"/>
+          </a:p>
+        </p:txBody>
+      </p:sp>
+      <p:sp>
+        <p:nvSpPr>
+          <p:cNvPr id="4" name="Pladsholder til indhold 3">
             <a:extLst>
               <a:ext uri="{FF2B5EF4-FFF2-40B4-BE49-F238E27FC236}">
-                <a16:creationId xmlns:a16="http://schemas.microsoft.com/office/drawing/2014/main" id="{20A2F052-C996-4C1D-A2D7-491DD1ABEAA5}"/>
+                <a16:creationId xmlns:a16="http://schemas.microsoft.com/office/drawing/2014/main" id="{51AF507C-229C-4349-9C96-82EDB0BA7DFB}"/>
               </a:ext>
             </a:extLst>
           </p:cNvPr>
-          <p:cNvSpPr txBox="1"/>
-          <p:nvPr/>
+          <p:cNvSpPr>
+            <a:spLocks noGrp="1"/>
+          </p:cNvSpPr>
+          <p:nvPr>
+            <p:ph sz="half" idx="2"/>
+          </p:nvPr>
         </p:nvSpPr>
         <p:spPr>
           <a:xfrm>
-            <a:off x="0" y="0"/>
-            <a:ext cx="12277817" cy="1384995"/>
+            <a:off x="0" y="22225"/>
+            <a:ext cx="12192000" cy="1803400"/>
           </a:xfrm>
-          <a:prstGeom prst="rect">
-            <a:avLst/>
-          </a:prstGeom>
-          <a:noFill/>
         </p:spPr>
         <p:txBody>
-          <a:bodyPr wrap="square" rtlCol="0">
-            <a:spAutoFit/>
-          </a:bodyPr>
-          <a:lstStyle/>
-          <a:p>
+          <a:bodyPr/>
+          <a:lstStyle/>
+          <a:p>
+            <a:pPr marL="0" lvl="0" indent="0" defTabSz="457200">
+              <a:lnSpc>
+                <a:spcPct val="100000"/>
+              </a:lnSpc>
+              <a:spcBef>
+                <a:spcPts val="0"/>
+              </a:spcBef>
+              <a:buNone/>
+            </a:pPr>
             <a:r>
               <a:rPr lang="da-DK" sz="4800" dirty="0">
+                <a:solidFill>
+                  <a:prstClr val="white"/>
+                </a:solidFill>
                 <a:latin typeface="Times New Roman" panose="02020603050405020304" pitchFamily="18" charset="0"/>
                 <a:cs typeface="Times New Roman" panose="02020603050405020304" pitchFamily="18" charset="0"/>
               </a:rPr>
@@ -3095,6 +3130,9 @@
             </a:r>
             <a:r>
               <a:rPr lang="da-DK" sz="4800" i="1" dirty="0">
+                <a:solidFill>
+                  <a:prstClr val="white"/>
+                </a:solidFill>
                 <a:latin typeface="Times New Roman" panose="02020603050405020304" pitchFamily="18" charset="0"/>
                 <a:cs typeface="Times New Roman" panose="02020603050405020304" pitchFamily="18" charset="0"/>
               </a:rPr>
@@ -3102,20 +3140,14 @@
             </a:r>
           </a:p>
           <a:p>
-            <a:endParaRPr lang="da-DK" dirty="0">
-              <a:latin typeface="Times New Roman" panose="02020603050405020304" pitchFamily="18" charset="0"/>
-              <a:cs typeface="Times New Roman" panose="02020603050405020304" pitchFamily="18" charset="0"/>
-            </a:endParaRPr>
-          </a:p>
-          <a:p>
-            <a:endParaRPr lang="en-US" dirty="0"/>
+            <a:endParaRPr lang="en-DK" dirty="0"/>
           </a:p>
         </p:txBody>
       </p:sp>
     </p:spTree>
     <p:extLst>
       <p:ext uri="{BB962C8B-B14F-4D97-AF65-F5344CB8AC3E}">
-        <p14:creationId xmlns:p14="http://schemas.microsoft.com/office/powerpoint/2010/main" val="2238169488"/>
+        <p14:creationId xmlns:p14="http://schemas.microsoft.com/office/powerpoint/2010/main" val="2870435867"/>
       </p:ext>
     </p:extLst>
   </p:cSld>

--- a/template.pptx
+++ b/template.pptx
@@ -243,7 +243,7 @@
           <a:p>
             <a:fld id="{D2FDE252-FF3A-4A73-B583-2B6EF4627E94}" type="datetimeFigureOut">
               <a:rPr lang="en-DK" smtClean="0"/>
-              <a:t>11/12/2019</a:t>
+              <a:t>12/11/2019</a:t>
             </a:fld>
             <a:endParaRPr lang="en-DK"/>
           </a:p>
@@ -413,7 +413,7 @@
           <a:p>
             <a:fld id="{D2FDE252-FF3A-4A73-B583-2B6EF4627E94}" type="datetimeFigureOut">
               <a:rPr lang="en-DK" smtClean="0"/>
-              <a:t>11/12/2019</a:t>
+              <a:t>12/11/2019</a:t>
             </a:fld>
             <a:endParaRPr lang="en-DK"/>
           </a:p>
@@ -593,7 +593,7 @@
           <a:p>
             <a:fld id="{D2FDE252-FF3A-4A73-B583-2B6EF4627E94}" type="datetimeFigureOut">
               <a:rPr lang="en-DK" smtClean="0"/>
-              <a:t>11/12/2019</a:t>
+              <a:t>12/11/2019</a:t>
             </a:fld>
             <a:endParaRPr lang="en-DK"/>
           </a:p>
@@ -763,7 +763,7 @@
           <a:p>
             <a:fld id="{D2FDE252-FF3A-4A73-B583-2B6EF4627E94}" type="datetimeFigureOut">
               <a:rPr lang="en-DK" smtClean="0"/>
-              <a:t>11/12/2019</a:t>
+              <a:t>12/11/2019</a:t>
             </a:fld>
             <a:endParaRPr lang="en-DK"/>
           </a:p>
@@ -1009,7 +1009,7 @@
           <a:p>
             <a:fld id="{D2FDE252-FF3A-4A73-B583-2B6EF4627E94}" type="datetimeFigureOut">
               <a:rPr lang="en-DK" smtClean="0"/>
-              <a:t>11/12/2019</a:t>
+              <a:t>12/11/2019</a:t>
             </a:fld>
             <a:endParaRPr lang="en-DK"/>
           </a:p>
@@ -1241,7 +1241,7 @@
           <a:p>
             <a:fld id="{D2FDE252-FF3A-4A73-B583-2B6EF4627E94}" type="datetimeFigureOut">
               <a:rPr lang="en-DK" smtClean="0"/>
-              <a:t>11/12/2019</a:t>
+              <a:t>12/11/2019</a:t>
             </a:fld>
             <a:endParaRPr lang="en-DK"/>
           </a:p>
@@ -1608,7 +1608,7 @@
           <a:p>
             <a:fld id="{D2FDE252-FF3A-4A73-B583-2B6EF4627E94}" type="datetimeFigureOut">
               <a:rPr lang="en-DK" smtClean="0"/>
-              <a:t>11/12/2019</a:t>
+              <a:t>12/11/2019</a:t>
             </a:fld>
             <a:endParaRPr lang="en-DK"/>
           </a:p>
@@ -1726,7 +1726,7 @@
           <a:p>
             <a:fld id="{D2FDE252-FF3A-4A73-B583-2B6EF4627E94}" type="datetimeFigureOut">
               <a:rPr lang="en-DK" smtClean="0"/>
-              <a:t>11/12/2019</a:t>
+              <a:t>12/11/2019</a:t>
             </a:fld>
             <a:endParaRPr lang="en-DK"/>
           </a:p>
@@ -1821,7 +1821,7 @@
           <a:p>
             <a:fld id="{D2FDE252-FF3A-4A73-B583-2B6EF4627E94}" type="datetimeFigureOut">
               <a:rPr lang="en-DK" smtClean="0"/>
-              <a:t>11/12/2019</a:t>
+              <a:t>12/11/2019</a:t>
             </a:fld>
             <a:endParaRPr lang="en-DK"/>
           </a:p>
@@ -2098,7 +2098,7 @@
           <a:p>
             <a:fld id="{D2FDE252-FF3A-4A73-B583-2B6EF4627E94}" type="datetimeFigureOut">
               <a:rPr lang="en-DK" smtClean="0"/>
-              <a:t>11/12/2019</a:t>
+              <a:t>12/11/2019</a:t>
             </a:fld>
             <a:endParaRPr lang="en-DK"/>
           </a:p>
@@ -2355,7 +2355,7 @@
           <a:p>
             <a:fld id="{D2FDE252-FF3A-4A73-B583-2B6EF4627E94}" type="datetimeFigureOut">
               <a:rPr lang="en-DK" smtClean="0"/>
-              <a:t>11/12/2019</a:t>
+              <a:t>12/11/2019</a:t>
             </a:fld>
             <a:endParaRPr lang="en-DK"/>
           </a:p>
@@ -2568,7 +2568,7 @@
           <a:p>
             <a:fld id="{D2FDE252-FF3A-4A73-B583-2B6EF4627E94}" type="datetimeFigureOut">
               <a:rPr lang="en-DK" smtClean="0"/>
-              <a:t>11/12/2019</a:t>
+              <a:t>12/11/2019</a:t>
             </a:fld>
             <a:endParaRPr lang="en-DK"/>
           </a:p>
@@ -3079,7 +3079,10 @@
             </a:r>
           </a:p>
           <a:p>
-            <a:endParaRPr lang="en-DK" dirty="0"/>
+            <a:endParaRPr lang="en-DK" dirty="0">
+              <a:latin typeface="Times New Roman" panose="02020603050405020304" pitchFamily="18" charset="0"/>
+              <a:cs typeface="Times New Roman" panose="02020603050405020304" pitchFamily="18" charset="0"/>
+            </a:endParaRPr>
           </a:p>
         </p:txBody>
       </p:sp>
